--- a/BWT, BWA_240620.pptx
+++ b/BWT, BWA_240620.pptx
@@ -5,7 +5,7 @@
     <p:sldMasterId id="2147483648" r:id="rId1"/>
   </p:sldMasterIdLst>
   <p:notesMasterIdLst>
-    <p:notesMasterId r:id="rId43"/>
+    <p:notesMasterId r:id="rId44"/>
   </p:notesMasterIdLst>
   <p:sldIdLst>
     <p:sldId id="262" r:id="rId2"/>
@@ -48,7 +48,8 @@
     <p:sldId id="317" r:id="rId39"/>
     <p:sldId id="314" r:id="rId40"/>
     <p:sldId id="315" r:id="rId41"/>
-    <p:sldId id="267" r:id="rId42"/>
+    <p:sldId id="318" r:id="rId42"/>
+    <p:sldId id="267" r:id="rId43"/>
   </p:sldIdLst>
   <p:sldSz cx="12192000" cy="6858000"/>
   <p:notesSz cx="6858000" cy="9144000"/>
@@ -237,7 +238,7 @@
           <a:p>
             <a:fld id="{78BF1911-BA7E-47FD-A46D-17FB30D040BC}" type="datetimeFigureOut">
               <a:rPr lang="ko-KR" altLang="en-US" smtClean="0"/>
-              <a:t>2024-06-25</a:t>
+              <a:t>2024-10-22</a:t>
             </a:fld>
             <a:endParaRPr lang="ko-KR" altLang="en-US"/>
           </a:p>
@@ -17742,7 +17743,7 @@
         </p:nvSpPr>
         <p:spPr>
           <a:xfrm>
-            <a:off x="10008279" y="1764794"/>
+            <a:off x="10922679" y="1764794"/>
             <a:ext cx="191231" cy="2400806"/>
           </a:xfrm>
           <a:prstGeom prst="rect">
@@ -17776,7 +17777,10 @@
           <a:lstStyle/>
           <a:p>
             <a:pPr algn="ctr"/>
-            <a:endParaRPr lang="ko-KR" altLang="en-US"/>
+            <a:r>
+              <a:rPr lang="ko-KR" altLang="en-US"/>
+              <a:t>ㅊ</a:t>
+            </a:r>
           </a:p>
         </p:txBody>
       </p:sp>
@@ -18074,7 +18078,7 @@
         </p:nvCxnSpPr>
         <p:spPr>
           <a:xfrm>
-            <a:off x="10103000" y="4165600"/>
+            <a:off x="11008769" y="4128033"/>
             <a:ext cx="0" cy="485140"/>
           </a:xfrm>
           <a:prstGeom prst="line">
@@ -18118,7 +18122,7 @@
         </p:nvCxnSpPr>
         <p:spPr>
           <a:xfrm flipH="1">
-            <a:off x="10103000" y="4650740"/>
+            <a:off x="9914566" y="4615713"/>
             <a:ext cx="1064895" cy="0"/>
           </a:xfrm>
           <a:prstGeom prst="line">
@@ -18162,7 +18166,7 @@
         </p:nvCxnSpPr>
         <p:spPr>
           <a:xfrm flipV="1">
-            <a:off x="11167895" y="4165600"/>
+            <a:off x="9914566" y="4110257"/>
             <a:ext cx="0" cy="485140"/>
           </a:xfrm>
           <a:prstGeom prst="straightConnector1">
@@ -18209,13 +18213,13 @@
           <a:blip r:embed="rId3">
             <a:alphaModFix/>
           </a:blip>
-          <a:srcRect l="25281" t="21597" r="70417" b="7541"/>
+          <a:srcRect l="45722" t="21597" r="49705" b="7541"/>
           <a:stretch/>
         </p:blipFill>
         <p:spPr>
           <a:xfrm>
-            <a:off x="11081540" y="1802718"/>
-            <a:ext cx="190970" cy="2297838"/>
+            <a:off x="9813063" y="1799719"/>
+            <a:ext cx="203006" cy="2297838"/>
           </a:xfrm>
           <a:prstGeom prst="rect">
             <a:avLst/>
@@ -18248,7 +18252,7 @@
         </p:blipFill>
         <p:spPr>
           <a:xfrm>
-            <a:off x="9949394" y="1792558"/>
+            <a:off x="10922679" y="1764794"/>
             <a:ext cx="250126" cy="2400805"/>
           </a:xfrm>
           <a:prstGeom prst="rect">
@@ -18261,10 +18265,10 @@
       </p:pic>
       <p:sp>
         <p:nvSpPr>
-          <p:cNvPr id="18" name="직사각형 17">
-            <a:extLst>
-              <a:ext uri="{FF2B5EF4-FFF2-40B4-BE49-F238E27FC236}">
-                <a16:creationId xmlns:a16="http://schemas.microsoft.com/office/drawing/2014/main" id="{716D03FA-800C-413C-416F-FDD9E7CADB99}"/>
+          <p:cNvPr id="3" name="직사각형 2">
+            <a:extLst>
+              <a:ext uri="{FF2B5EF4-FFF2-40B4-BE49-F238E27FC236}">
+                <a16:creationId xmlns:a16="http://schemas.microsoft.com/office/drawing/2014/main" id="{8590ED44-9AF2-298B-B619-734688B36DFB}"/>
               </a:ext>
             </a:extLst>
           </p:cNvPr>
@@ -18273,7 +18277,7 @@
         </p:nvSpPr>
         <p:spPr>
           <a:xfrm>
-            <a:off x="10008289" y="1764794"/>
+            <a:off x="10913154" y="1745744"/>
             <a:ext cx="191231" cy="2400806"/>
           </a:xfrm>
           <a:prstGeom prst="rect">
@@ -18307,7 +18311,10 @@
           <a:lstStyle/>
           <a:p>
             <a:pPr algn="ctr"/>
-            <a:endParaRPr lang="ko-KR" altLang="en-US"/>
+            <a:r>
+              <a:rPr lang="ko-KR" altLang="en-US"/>
+              <a:t>ㅊ</a:t>
+            </a:r>
           </a:p>
         </p:txBody>
       </p:sp>
@@ -19085,7 +19092,7 @@
         <p:spPr>
           <a:xfrm>
             <a:off x="564310" y="965318"/>
-            <a:ext cx="7085568" cy="3278783"/>
+            <a:ext cx="7085568" cy="3186450"/>
           </a:xfrm>
           <a:prstGeom prst="rect">
             <a:avLst/>
@@ -19119,29 +19126,10 @@
               </a:lnSpc>
             </a:pPr>
             <a:r>
-              <a:rPr lang="ko-KR" altLang="en-US" dirty="0"/>
-              <a:t>오른쪽 아래 테이블의 예시 문자열 </a:t>
-            </a:r>
-            <a:r>
-              <a:rPr lang="en-US" altLang="ko-KR" dirty="0"/>
-              <a:t>3</a:t>
-            </a:r>
-            <a:r>
-              <a:rPr lang="ko-KR" altLang="en-US" dirty="0"/>
-              <a:t>개는</a:t>
-            </a:r>
-            <a:r>
-              <a:rPr lang="en-US" altLang="ko-KR" dirty="0"/>
-              <a:t> M, M` </a:t>
-            </a:r>
-            <a:r>
-              <a:rPr lang="ko-KR" altLang="en-US" dirty="0"/>
-              <a:t>각각에서 해당 문자열들을 찾을 수 있다</a:t>
-            </a:r>
-            <a:r>
-              <a:rPr lang="en-US" altLang="ko-KR" dirty="0"/>
+              <a:rPr lang="en-US" altLang="ko-KR"/>
               <a:t>.</a:t>
             </a:r>
+            <a:endParaRPr lang="en-US" altLang="ko-KR" dirty="0"/>
           </a:p>
           <a:p>
             <a:pPr>
@@ -19162,8 +19150,28 @@
               <a:t>M`</a:t>
             </a:r>
             <a:r>
+              <a:rPr lang="ko-KR" altLang="en-US" sz="1400"/>
+              <a:t>에서 특오른쪽 아래 테이블의 예시 문자열 </a:t>
+            </a:r>
+            <a:r>
+              <a:rPr lang="en-US" altLang="ko-KR" sz="1400"/>
+              <a:t>3</a:t>
+            </a:r>
+            <a:r>
+              <a:rPr lang="ko-KR" altLang="en-US" sz="1400"/>
+              <a:t>개는</a:t>
+            </a:r>
+            <a:r>
+              <a:rPr lang="en-US" altLang="ko-KR" sz="1400"/>
+              <a:t> M, M` </a:t>
+            </a:r>
+            <a:r>
+              <a:rPr lang="ko-KR" altLang="en-US" sz="1400"/>
+              <a:t>각각에서 해당 문자열들을 찾을 수 있다정 </a:t>
+            </a:r>
+            <a:r>
               <a:rPr lang="ko-KR" altLang="en-US" sz="1400" dirty="0"/>
-              <a:t>에서 특정 인덱스로 </a:t>
+              <a:t>인덱스로 </a:t>
             </a:r>
             <a:r>
               <a:rPr lang="en-US" altLang="ko-KR" sz="1400" dirty="0"/>
@@ -38316,6 +38324,392 @@
       </p:grpSpPr>
       <p:sp>
         <p:nvSpPr>
+          <p:cNvPr id="8" name="제목 7">
+            <a:extLst>
+              <a:ext uri="{FF2B5EF4-FFF2-40B4-BE49-F238E27FC236}">
+                <a16:creationId xmlns:a16="http://schemas.microsoft.com/office/drawing/2014/main" id="{E510FF35-CAB4-3D7C-D793-9C159ABE5AF8}"/>
+              </a:ext>
+            </a:extLst>
+          </p:cNvPr>
+          <p:cNvSpPr>
+            <a:spLocks noGrp="1"/>
+          </p:cNvSpPr>
+          <p:nvPr>
+            <p:ph type="title"/>
+          </p:nvPr>
+        </p:nvSpPr>
+        <p:spPr/>
+        <p:txBody>
+          <a:bodyPr/>
+          <a:lstStyle/>
+          <a:p>
+            <a:r>
+              <a:rPr lang="en-US" altLang="ko-KR"/>
+              <a:t>BWA</a:t>
+            </a:r>
+            <a:r>
+              <a:rPr lang="ko-KR" altLang="en-US"/>
+              <a:t> </a:t>
+            </a:r>
+            <a:r>
+              <a:rPr lang="en-US" altLang="ko-KR"/>
+              <a:t>index</a:t>
+            </a:r>
+            <a:endParaRPr lang="ko-KR" altLang="en-US" dirty="0"/>
+          </a:p>
+        </p:txBody>
+      </p:sp>
+      <p:sp>
+        <p:nvSpPr>
+          <p:cNvPr id="7" name="슬라이드 번호 개체 틀 6">
+            <a:extLst>
+              <a:ext uri="{FF2B5EF4-FFF2-40B4-BE49-F238E27FC236}">
+                <a16:creationId xmlns:a16="http://schemas.microsoft.com/office/drawing/2014/main" id="{9DC0BE16-108F-E99B-21FB-5389DE3891AE}"/>
+              </a:ext>
+            </a:extLst>
+          </p:cNvPr>
+          <p:cNvSpPr>
+            <a:spLocks noGrp="1"/>
+          </p:cNvSpPr>
+          <p:nvPr>
+            <p:ph type="sldNum" sz="quarter" idx="11"/>
+          </p:nvPr>
+        </p:nvSpPr>
+        <p:spPr/>
+        <p:txBody>
+          <a:bodyPr/>
+          <a:lstStyle/>
+          <a:p>
+            <a:fld id="{2C139D12-2443-4121-BD18-EEB593859B2D}" type="slidenum">
+              <a:rPr lang="ko-KR" altLang="en-US" smtClean="0"/>
+              <a:pPr/>
+              <a:t>41</a:t>
+            </a:fld>
+            <a:endParaRPr lang="ko-KR" altLang="en-US" dirty="0"/>
+          </a:p>
+        </p:txBody>
+      </p:sp>
+      <p:sp>
+        <p:nvSpPr>
+          <p:cNvPr id="2" name="TextBox 1">
+            <a:extLst>
+              <a:ext uri="{FF2B5EF4-FFF2-40B4-BE49-F238E27FC236}">
+                <a16:creationId xmlns:a16="http://schemas.microsoft.com/office/drawing/2014/main" id="{E906BA4C-24C0-0576-2BB1-D1C1399D96FE}"/>
+              </a:ext>
+            </a:extLst>
+          </p:cNvPr>
+          <p:cNvSpPr txBox="1"/>
+          <p:nvPr/>
+        </p:nvSpPr>
+        <p:spPr>
+          <a:xfrm>
+            <a:off x="564310" y="908050"/>
+            <a:ext cx="11037140" cy="869790"/>
+          </a:xfrm>
+          <a:prstGeom prst="rect">
+            <a:avLst/>
+          </a:prstGeom>
+          <a:noFill/>
+        </p:spPr>
+        <p:txBody>
+          <a:bodyPr wrap="square" rtlCol="0">
+            <a:spAutoFit/>
+          </a:bodyPr>
+          <a:lstStyle/>
+          <a:p>
+            <a:pPr>
+              <a:lnSpc>
+                <a:spcPct val="150000"/>
+              </a:lnSpc>
+            </a:pPr>
+            <a:r>
+              <a:rPr lang="en-US" altLang="ko-KR">
+                <a:latin typeface="+mj-ea"/>
+                <a:ea typeface="+mj-ea"/>
+              </a:rPr>
+              <a:t>bwa index</a:t>
+            </a:r>
+            <a:r>
+              <a:rPr lang="ko-KR" altLang="en-US">
+                <a:latin typeface="+mj-ea"/>
+                <a:ea typeface="+mj-ea"/>
+              </a:rPr>
+              <a:t>를 수행하면 아래와 같이 </a:t>
+            </a:r>
+            <a:r>
+              <a:rPr lang="en-US" altLang="ko-KR">
+                <a:latin typeface="+mj-ea"/>
+                <a:ea typeface="+mj-ea"/>
+              </a:rPr>
+              <a:t>index </a:t>
+            </a:r>
+            <a:r>
+              <a:rPr lang="ko-KR" altLang="en-US">
+                <a:latin typeface="+mj-ea"/>
+                <a:ea typeface="+mj-ea"/>
+              </a:rPr>
+              <a:t>파일들이 나온다</a:t>
+            </a:r>
+            <a:r>
+              <a:rPr lang="en-US" altLang="ko-KR">
+                <a:latin typeface="+mj-ea"/>
+                <a:ea typeface="+mj-ea"/>
+              </a:rPr>
+              <a:t>.</a:t>
+            </a:r>
+          </a:p>
+          <a:p>
+            <a:pPr>
+              <a:lnSpc>
+                <a:spcPct val="150000"/>
+              </a:lnSpc>
+            </a:pPr>
+            <a:r>
+              <a:rPr lang="en-US" altLang="ko-KR">
+                <a:latin typeface="+mj-ea"/>
+                <a:ea typeface="+mj-ea"/>
+              </a:rPr>
+              <a:t>alignment</a:t>
+            </a:r>
+            <a:r>
+              <a:rPr lang="ko-KR" altLang="en-US">
+                <a:latin typeface="+mj-ea"/>
+                <a:ea typeface="+mj-ea"/>
+              </a:rPr>
+              <a:t>는 아래 파일들로 수행이 된다</a:t>
+            </a:r>
+            <a:r>
+              <a:rPr lang="en-US" altLang="ko-KR">
+                <a:latin typeface="+mj-ea"/>
+                <a:ea typeface="+mj-ea"/>
+              </a:rPr>
+              <a:t>. .bwt, .pac, .sa</a:t>
+            </a:r>
+            <a:r>
+              <a:rPr lang="ko-KR" altLang="en-US">
+                <a:latin typeface="+mj-ea"/>
+                <a:ea typeface="+mj-ea"/>
+              </a:rPr>
+              <a:t>은 </a:t>
+            </a:r>
+            <a:r>
+              <a:rPr lang="en-US" altLang="ko-KR">
+                <a:latin typeface="+mj-ea"/>
+                <a:ea typeface="+mj-ea"/>
+              </a:rPr>
+              <a:t>binary </a:t>
+            </a:r>
+            <a:r>
+              <a:rPr lang="ko-KR" altLang="en-US">
+                <a:latin typeface="+mj-ea"/>
+                <a:ea typeface="+mj-ea"/>
+              </a:rPr>
+              <a:t>파일이다</a:t>
+            </a:r>
+            <a:r>
+              <a:rPr lang="en-US" altLang="ko-KR">
+                <a:latin typeface="+mj-ea"/>
+                <a:ea typeface="+mj-ea"/>
+              </a:rPr>
+              <a:t>.</a:t>
+            </a:r>
+            <a:endParaRPr lang="en-US" altLang="ko-KR" dirty="0">
+              <a:latin typeface="+mj-ea"/>
+              <a:ea typeface="+mj-ea"/>
+            </a:endParaRPr>
+          </a:p>
+        </p:txBody>
+      </p:sp>
+      <p:pic>
+        <p:nvPicPr>
+          <p:cNvPr id="5" name="그림 4">
+            <a:extLst>
+              <a:ext uri="{FF2B5EF4-FFF2-40B4-BE49-F238E27FC236}">
+                <a16:creationId xmlns:a16="http://schemas.microsoft.com/office/drawing/2014/main" id="{5C7BF3AF-7149-288E-8750-32E2FA3F3243}"/>
+              </a:ext>
+            </a:extLst>
+          </p:cNvPr>
+          <p:cNvPicPr>
+            <a:picLocks noChangeAspect="1"/>
+          </p:cNvPicPr>
+          <p:nvPr/>
+        </p:nvPicPr>
+        <p:blipFill>
+          <a:blip r:embed="rId2"/>
+          <a:stretch>
+            <a:fillRect/>
+          </a:stretch>
+        </p:blipFill>
+        <p:spPr>
+          <a:xfrm>
+            <a:off x="564310" y="2004039"/>
+            <a:ext cx="8204318" cy="1424961"/>
+          </a:xfrm>
+          <a:prstGeom prst="rect">
+            <a:avLst/>
+          </a:prstGeom>
+        </p:spPr>
+      </p:pic>
+      <p:pic>
+        <p:nvPicPr>
+          <p:cNvPr id="10" name="그림 9">
+            <a:extLst>
+              <a:ext uri="{FF2B5EF4-FFF2-40B4-BE49-F238E27FC236}">
+                <a16:creationId xmlns:a16="http://schemas.microsoft.com/office/drawing/2014/main" id="{34E6D916-D58A-D539-6965-CC9B6075B723}"/>
+              </a:ext>
+            </a:extLst>
+          </p:cNvPr>
+          <p:cNvPicPr>
+            <a:picLocks noChangeAspect="1"/>
+          </p:cNvPicPr>
+          <p:nvPr/>
+        </p:nvPicPr>
+        <p:blipFill rotWithShape="1">
+          <a:blip r:embed="rId3"/>
+          <a:srcRect b="45994"/>
+          <a:stretch/>
+        </p:blipFill>
+        <p:spPr>
+          <a:xfrm>
+            <a:off x="608983" y="4329293"/>
+            <a:ext cx="1688384" cy="1867085"/>
+          </a:xfrm>
+          <a:prstGeom prst="rect">
+            <a:avLst/>
+          </a:prstGeom>
+        </p:spPr>
+      </p:pic>
+      <p:sp>
+        <p:nvSpPr>
+          <p:cNvPr id="12" name="TextBox 11">
+            <a:extLst>
+              <a:ext uri="{FF2B5EF4-FFF2-40B4-BE49-F238E27FC236}">
+                <a16:creationId xmlns:a16="http://schemas.microsoft.com/office/drawing/2014/main" id="{16B9201E-9FAA-D698-0C80-EBD7DA54F81B}"/>
+              </a:ext>
+            </a:extLst>
+          </p:cNvPr>
+          <p:cNvSpPr txBox="1"/>
+          <p:nvPr/>
+        </p:nvSpPr>
+        <p:spPr>
+          <a:xfrm>
+            <a:off x="685800" y="3895976"/>
+            <a:ext cx="1544615" cy="369332"/>
+          </a:xfrm>
+          <a:prstGeom prst="rect">
+            <a:avLst/>
+          </a:prstGeom>
+          <a:noFill/>
+        </p:spPr>
+        <p:txBody>
+          <a:bodyPr wrap="square">
+            <a:spAutoFit/>
+          </a:bodyPr>
+          <a:lstStyle/>
+          <a:p>
+            <a:r>
+              <a:rPr lang="ko-KR" altLang="en-US"/>
+              <a:t>hg19.fa.amb</a:t>
+            </a:r>
+          </a:p>
+        </p:txBody>
+      </p:sp>
+      <p:pic>
+        <p:nvPicPr>
+          <p:cNvPr id="15" name="그림 14">
+            <a:extLst>
+              <a:ext uri="{FF2B5EF4-FFF2-40B4-BE49-F238E27FC236}">
+                <a16:creationId xmlns:a16="http://schemas.microsoft.com/office/drawing/2014/main" id="{682714D1-6627-A2EB-E6F3-940E958B2761}"/>
+              </a:ext>
+            </a:extLst>
+          </p:cNvPr>
+          <p:cNvPicPr>
+            <a:picLocks noChangeAspect="1"/>
+          </p:cNvPicPr>
+          <p:nvPr/>
+        </p:nvPicPr>
+        <p:blipFill rotWithShape="1">
+          <a:blip r:embed="rId4"/>
+          <a:srcRect b="72775"/>
+          <a:stretch/>
+        </p:blipFill>
+        <p:spPr>
+          <a:xfrm>
+            <a:off x="3370431" y="4329293"/>
+            <a:ext cx="1789771" cy="1867085"/>
+          </a:xfrm>
+          <a:prstGeom prst="rect">
+            <a:avLst/>
+          </a:prstGeom>
+        </p:spPr>
+      </p:pic>
+      <p:sp>
+        <p:nvSpPr>
+          <p:cNvPr id="18" name="TextBox 17">
+            <a:extLst>
+              <a:ext uri="{FF2B5EF4-FFF2-40B4-BE49-F238E27FC236}">
+                <a16:creationId xmlns:a16="http://schemas.microsoft.com/office/drawing/2014/main" id="{A8BC782D-5933-25F4-D042-76324A930BB6}"/>
+              </a:ext>
+            </a:extLst>
+          </p:cNvPr>
+          <p:cNvSpPr txBox="1"/>
+          <p:nvPr/>
+        </p:nvSpPr>
+        <p:spPr>
+          <a:xfrm>
+            <a:off x="3615587" y="3895976"/>
+            <a:ext cx="1497336" cy="369332"/>
+          </a:xfrm>
+          <a:prstGeom prst="rect">
+            <a:avLst/>
+          </a:prstGeom>
+          <a:noFill/>
+        </p:spPr>
+        <p:txBody>
+          <a:bodyPr wrap="square">
+            <a:spAutoFit/>
+          </a:bodyPr>
+          <a:lstStyle/>
+          <a:p>
+            <a:r>
+              <a:rPr lang="ko-KR" altLang="en-US"/>
+              <a:t>hg19.fa.ann</a:t>
+            </a:r>
+          </a:p>
+        </p:txBody>
+      </p:sp>
+    </p:spTree>
+    <p:extLst>
+      <p:ext uri="{BB962C8B-B14F-4D97-AF65-F5344CB8AC3E}">
+        <p14:creationId xmlns:p14="http://schemas.microsoft.com/office/powerpoint/2010/main" val="366257021"/>
+      </p:ext>
+    </p:extLst>
+  </p:cSld>
+  <p:clrMapOvr>
+    <a:masterClrMapping/>
+  </p:clrMapOvr>
+</p:sld>
+</file>
+
+<file path=ppt/slides/slide42.xml><?xml version="1.0" encoding="utf-8"?>
+<p:sld xmlns:a="http://schemas.openxmlformats.org/drawingml/2006/main" xmlns:r="http://schemas.openxmlformats.org/officeDocument/2006/relationships" xmlns:p="http://schemas.openxmlformats.org/presentationml/2006/main">
+  <p:cSld>
+    <p:spTree>
+      <p:nvGrpSpPr>
+        <p:cNvPr id="1" name=""/>
+        <p:cNvGrpSpPr/>
+        <p:nvPr/>
+      </p:nvGrpSpPr>
+      <p:grpSpPr>
+        <a:xfrm>
+          <a:off x="0" y="0"/>
+          <a:ext cx="0" cy="0"/>
+          <a:chOff x="0" y="0"/>
+          <a:chExt cx="0" cy="0"/>
+        </a:xfrm>
+      </p:grpSpPr>
+      <p:sp>
+        <p:nvSpPr>
           <p:cNvPr id="2" name="제목 1">
             <a:extLst>
               <a:ext uri="{FF2B5EF4-FFF2-40B4-BE49-F238E27FC236}">
